--- a/chapter5/Deep Learning 5강(CNN).pptx
+++ b/chapter5/Deep Learning 5강(CNN).pptx
@@ -5,7 +5,7 @@
     <p:sldMasterId id="2147483656" r:id="rId1"/>
   </p:sldMasterIdLst>
   <p:notesMasterIdLst>
-    <p:notesMasterId r:id="rId26"/>
+    <p:notesMasterId r:id="rId27"/>
   </p:notesMasterIdLst>
   <p:sldIdLst>
     <p:sldId id="257" r:id="rId2"/>
@@ -30,28 +30,29 @@
     <p:sldId id="347" r:id="rId21"/>
     <p:sldId id="348" r:id="rId22"/>
     <p:sldId id="267" r:id="rId23"/>
-    <p:sldId id="334" r:id="rId24"/>
-    <p:sldId id="269" r:id="rId25"/>
+    <p:sldId id="349" r:id="rId24"/>
+    <p:sldId id="334" r:id="rId25"/>
+    <p:sldId id="269" r:id="rId26"/>
   </p:sldIdLst>
   <p:sldSz cx="12192000" cy="6858000"/>
   <p:notesSz cx="6858000" cy="9144000"/>
   <p:embeddedFontLst>
     <p:embeddedFont>
       <p:font typeface="나눔스퀘어 Bold" panose="020B0600000101010101" pitchFamily="50" charset="-127"/>
-      <p:bold r:id="rId27"/>
+      <p:bold r:id="rId28"/>
     </p:embeddedFont>
     <p:embeddedFont>
       <p:font typeface="나눔스퀘어 ExtraBold" panose="020B0600000101010101" pitchFamily="50" charset="-127"/>
-      <p:bold r:id="rId28"/>
+      <p:bold r:id="rId29"/>
     </p:embeddedFont>
     <p:embeddedFont>
       <p:font typeface="맑은 고딕" panose="020B0503020000020004" pitchFamily="50" charset="-127"/>
-      <p:regular r:id="rId29"/>
-      <p:bold r:id="rId30"/>
+      <p:regular r:id="rId30"/>
+      <p:bold r:id="rId31"/>
     </p:embeddedFont>
     <p:embeddedFont>
       <p:font typeface="한컴 윤고딕 250" panose="02020603020101020101" pitchFamily="18" charset="-127"/>
-      <p:regular r:id="rId31"/>
+      <p:regular r:id="rId32"/>
     </p:embeddedFont>
   </p:embeddedFontLst>
   <p:defaultTextStyle>
@@ -8821,6 +8822,475 @@
                 <a:latin typeface="나눔스퀘어 ExtraBold" panose="020B0600000101010101" pitchFamily="50" charset="-127"/>
                 <a:ea typeface="나눔스퀘어 ExtraBold" panose="020B0600000101010101" pitchFamily="50" charset="-127"/>
               </a:rPr>
+              <a:t>MNIST</a:t>
+            </a:r>
+          </a:p>
+        </p:txBody>
+      </p:sp>
+      <p:cxnSp>
+        <p:nvCxnSpPr>
+          <p:cNvPr id="16" name="직선 연결선 15">
+            <a:extLst>
+              <a:ext uri="{FF2B5EF4-FFF2-40B4-BE49-F238E27FC236}">
+                <a16:creationId xmlns:a16="http://schemas.microsoft.com/office/drawing/2014/main" id="{C748FEAA-2F61-4476-BC12-D714309AEEE4}"/>
+              </a:ext>
+            </a:extLst>
+          </p:cNvPr>
+          <p:cNvCxnSpPr/>
+          <p:nvPr/>
+        </p:nvCxnSpPr>
+        <p:spPr>
+          <a:xfrm>
+            <a:off x="10430892" y="144941"/>
+            <a:ext cx="360000" cy="0"/>
+          </a:xfrm>
+          <a:prstGeom prst="line">
+            <a:avLst/>
+          </a:prstGeom>
+          <a:ln w="44450" cap="rnd">
+            <a:solidFill>
+              <a:srgbClr val="D0CECE"/>
+            </a:solidFill>
+          </a:ln>
+          <a:effectLst>
+            <a:outerShdw blurRad="50800" dist="38100" dir="5400000" algn="t" rotWithShape="0">
+              <a:prstClr val="black">
+                <a:alpha val="40000"/>
+              </a:prstClr>
+            </a:outerShdw>
+          </a:effectLst>
+        </p:spPr>
+        <p:style>
+          <a:lnRef idx="1">
+            <a:schemeClr val="accent1"/>
+          </a:lnRef>
+          <a:fillRef idx="0">
+            <a:schemeClr val="accent1"/>
+          </a:fillRef>
+          <a:effectRef idx="0">
+            <a:schemeClr val="accent1"/>
+          </a:effectRef>
+          <a:fontRef idx="minor">
+            <a:schemeClr val="tx1"/>
+          </a:fontRef>
+        </p:style>
+      </p:cxnSp>
+      <p:cxnSp>
+        <p:nvCxnSpPr>
+          <p:cNvPr id="17" name="직선 연결선 16">
+            <a:extLst>
+              <a:ext uri="{FF2B5EF4-FFF2-40B4-BE49-F238E27FC236}">
+                <a16:creationId xmlns:a16="http://schemas.microsoft.com/office/drawing/2014/main" id="{382B42FE-3DA7-4C75-9BF8-A89C2DB8E2E4}"/>
+              </a:ext>
+            </a:extLst>
+          </p:cNvPr>
+          <p:cNvCxnSpPr/>
+          <p:nvPr/>
+        </p:nvCxnSpPr>
+        <p:spPr>
+          <a:xfrm>
+            <a:off x="10858459" y="144941"/>
+            <a:ext cx="360000" cy="0"/>
+          </a:xfrm>
+          <a:prstGeom prst="line">
+            <a:avLst/>
+          </a:prstGeom>
+          <a:ln w="44450" cap="rnd">
+            <a:solidFill>
+              <a:schemeClr val="bg2">
+                <a:lumMod val="90000"/>
+              </a:schemeClr>
+            </a:solidFill>
+          </a:ln>
+          <a:effectLst>
+            <a:outerShdw blurRad="50800" dist="38100" dir="5400000" algn="t" rotWithShape="0">
+              <a:prstClr val="black">
+                <a:alpha val="40000"/>
+              </a:prstClr>
+            </a:outerShdw>
+          </a:effectLst>
+        </p:spPr>
+        <p:style>
+          <a:lnRef idx="1">
+            <a:schemeClr val="accent1"/>
+          </a:lnRef>
+          <a:fillRef idx="0">
+            <a:schemeClr val="accent1"/>
+          </a:fillRef>
+          <a:effectRef idx="0">
+            <a:schemeClr val="accent1"/>
+          </a:effectRef>
+          <a:fontRef idx="minor">
+            <a:schemeClr val="tx1"/>
+          </a:fontRef>
+        </p:style>
+      </p:cxnSp>
+      <p:cxnSp>
+        <p:nvCxnSpPr>
+          <p:cNvPr id="18" name="직선 연결선 17">
+            <a:extLst>
+              <a:ext uri="{FF2B5EF4-FFF2-40B4-BE49-F238E27FC236}">
+                <a16:creationId xmlns:a16="http://schemas.microsoft.com/office/drawing/2014/main" id="{A5EBB07B-7E65-43F9-8D1A-5F7A345B63EB}"/>
+              </a:ext>
+            </a:extLst>
+          </p:cNvPr>
+          <p:cNvCxnSpPr/>
+          <p:nvPr/>
+        </p:nvCxnSpPr>
+        <p:spPr>
+          <a:xfrm>
+            <a:off x="11286026" y="144941"/>
+            <a:ext cx="360000" cy="0"/>
+          </a:xfrm>
+          <a:prstGeom prst="line">
+            <a:avLst/>
+          </a:prstGeom>
+          <a:ln w="44450" cap="rnd">
+            <a:solidFill>
+              <a:schemeClr val="bg2">
+                <a:lumMod val="90000"/>
+              </a:schemeClr>
+            </a:solidFill>
+          </a:ln>
+          <a:effectLst>
+            <a:outerShdw blurRad="50800" dist="38100" dir="5400000" algn="t" rotWithShape="0">
+              <a:prstClr val="black">
+                <a:alpha val="40000"/>
+              </a:prstClr>
+            </a:outerShdw>
+          </a:effectLst>
+        </p:spPr>
+        <p:style>
+          <a:lnRef idx="1">
+            <a:schemeClr val="accent1"/>
+          </a:lnRef>
+          <a:fillRef idx="0">
+            <a:schemeClr val="accent1"/>
+          </a:fillRef>
+          <a:effectRef idx="0">
+            <a:schemeClr val="accent1"/>
+          </a:effectRef>
+          <a:fontRef idx="minor">
+            <a:schemeClr val="tx1"/>
+          </a:fontRef>
+        </p:style>
+      </p:cxnSp>
+      <p:cxnSp>
+        <p:nvCxnSpPr>
+          <p:cNvPr id="19" name="직선 연결선 18">
+            <a:extLst>
+              <a:ext uri="{FF2B5EF4-FFF2-40B4-BE49-F238E27FC236}">
+                <a16:creationId xmlns:a16="http://schemas.microsoft.com/office/drawing/2014/main" id="{3337B726-A515-4F67-90E6-D9501BDE392B}"/>
+              </a:ext>
+            </a:extLst>
+          </p:cNvPr>
+          <p:cNvCxnSpPr/>
+          <p:nvPr/>
+        </p:nvCxnSpPr>
+        <p:spPr>
+          <a:xfrm>
+            <a:off x="11713592" y="144941"/>
+            <a:ext cx="360000" cy="0"/>
+          </a:xfrm>
+          <a:prstGeom prst="line">
+            <a:avLst/>
+          </a:prstGeom>
+          <a:ln w="44450" cap="rnd">
+            <a:solidFill>
+              <a:srgbClr val="8DBABD"/>
+            </a:solidFill>
+          </a:ln>
+          <a:effectLst>
+            <a:outerShdw blurRad="50800" dist="38100" dir="5400000" algn="t" rotWithShape="0">
+              <a:prstClr val="black">
+                <a:alpha val="40000"/>
+              </a:prstClr>
+            </a:outerShdw>
+          </a:effectLst>
+        </p:spPr>
+        <p:style>
+          <a:lnRef idx="1">
+            <a:schemeClr val="accent1"/>
+          </a:lnRef>
+          <a:fillRef idx="0">
+            <a:schemeClr val="accent1"/>
+          </a:fillRef>
+          <a:effectRef idx="0">
+            <a:schemeClr val="accent1"/>
+          </a:effectRef>
+          <a:fontRef idx="minor">
+            <a:schemeClr val="tx1"/>
+          </a:fontRef>
+        </p:style>
+      </p:cxnSp>
+      <p:sp>
+        <p:nvSpPr>
+          <p:cNvPr id="121" name="TextBox 120">
+            <a:extLst>
+              <a:ext uri="{FF2B5EF4-FFF2-40B4-BE49-F238E27FC236}">
+                <a16:creationId xmlns:a16="http://schemas.microsoft.com/office/drawing/2014/main" id="{6331798B-A31D-448F-94EA-AE22677BB6E4}"/>
+              </a:ext>
+            </a:extLst>
+          </p:cNvPr>
+          <p:cNvSpPr txBox="1"/>
+          <p:nvPr/>
+        </p:nvSpPr>
+        <p:spPr>
+          <a:xfrm>
+            <a:off x="4626983" y="3339407"/>
+            <a:ext cx="2938035" cy="411972"/>
+          </a:xfrm>
+          <a:prstGeom prst="rect">
+            <a:avLst/>
+          </a:prstGeom>
+          <a:noFill/>
+        </p:spPr>
+        <p:txBody>
+          <a:bodyPr wrap="square" rtlCol="0">
+            <a:spAutoFit/>
+          </a:bodyPr>
+          <a:lstStyle/>
+          <a:p>
+            <a:pPr algn="ctr">
+              <a:lnSpc>
+                <a:spcPct val="200000"/>
+              </a:lnSpc>
+            </a:pPr>
+            <a:r>
+              <a:rPr lang="en-US" altLang="ko-KR" sz="1200" spc="-100">
+                <a:ln>
+                  <a:solidFill>
+                    <a:schemeClr val="bg1">
+                      <a:lumMod val="65000"/>
+                      <a:alpha val="0"/>
+                    </a:schemeClr>
+                  </a:solidFill>
+                </a:ln>
+                <a:latin typeface="나눔스퀘어 Bold" panose="020B0600000101010101" pitchFamily="50" charset="-127"/>
+                <a:ea typeface="나눔스퀘어 Bold" panose="020B0600000101010101" pitchFamily="50" charset="-127"/>
+              </a:rPr>
+              <a:t>MNIST CNN</a:t>
+            </a:r>
+            <a:r>
+              <a:rPr lang="ko-KR" altLang="en-US" sz="1200" spc="-100">
+                <a:ln>
+                  <a:solidFill>
+                    <a:schemeClr val="bg1">
+                      <a:lumMod val="65000"/>
+                      <a:alpha val="0"/>
+                    </a:schemeClr>
+                  </a:solidFill>
+                </a:ln>
+                <a:latin typeface="나눔스퀘어 Bold" panose="020B0600000101010101" pitchFamily="50" charset="-127"/>
+                <a:ea typeface="나눔스퀘어 Bold" panose="020B0600000101010101" pitchFamily="50" charset="-127"/>
+              </a:rPr>
+              <a:t>을 사용해서 분류 모델 만들기</a:t>
+            </a:r>
+            <a:endParaRPr lang="en-US" altLang="ko-KR" sz="1200" spc="-100">
+              <a:ln>
+                <a:solidFill>
+                  <a:schemeClr val="bg1">
+                    <a:lumMod val="65000"/>
+                    <a:alpha val="0"/>
+                  </a:schemeClr>
+                </a:solidFill>
+              </a:ln>
+              <a:latin typeface="나눔스퀘어 Bold" panose="020B0600000101010101" pitchFamily="50" charset="-127"/>
+              <a:ea typeface="나눔스퀘어 Bold" panose="020B0600000101010101" pitchFamily="50" charset="-127"/>
+            </a:endParaRPr>
+          </a:p>
+        </p:txBody>
+      </p:sp>
+    </p:spTree>
+    <p:extLst>
+      <p:ext uri="{BB962C8B-B14F-4D97-AF65-F5344CB8AC3E}">
+        <p14:creationId xmlns:p14="http://schemas.microsoft.com/office/powerpoint/2010/main" val="3252876104"/>
+      </p:ext>
+    </p:extLst>
+  </p:cSld>
+  <p:clrMapOvr>
+    <a:masterClrMapping/>
+  </p:clrMapOvr>
+</p:sld>
+</file>
+
+<file path=ppt/slides/slide24.xml><?xml version="1.0" encoding="utf-8"?>
+<p:sld xmlns:a="http://schemas.openxmlformats.org/drawingml/2006/main" xmlns:r="http://schemas.openxmlformats.org/officeDocument/2006/relationships" xmlns:p="http://schemas.openxmlformats.org/presentationml/2006/main">
+  <p:cSld>
+    <p:spTree>
+      <p:nvGrpSpPr>
+        <p:cNvPr id="1" name=""/>
+        <p:cNvGrpSpPr/>
+        <p:nvPr/>
+      </p:nvGrpSpPr>
+      <p:grpSpPr>
+        <a:xfrm>
+          <a:off x="0" y="0"/>
+          <a:ext cx="0" cy="0"/>
+          <a:chOff x="0" y="0"/>
+          <a:chExt cx="0" cy="0"/>
+        </a:xfrm>
+      </p:grpSpPr>
+      <p:cxnSp>
+        <p:nvCxnSpPr>
+          <p:cNvPr id="4" name="직선 연결선 3"/>
+          <p:cNvCxnSpPr>
+            <a:cxnSpLocks/>
+          </p:cNvCxnSpPr>
+          <p:nvPr/>
+        </p:nvCxnSpPr>
+        <p:spPr>
+          <a:xfrm>
+            <a:off x="1026522" y="989148"/>
+            <a:ext cx="4002678" cy="0"/>
+          </a:xfrm>
+          <a:prstGeom prst="line">
+            <a:avLst/>
+          </a:prstGeom>
+          <a:ln>
+            <a:solidFill>
+              <a:schemeClr val="bg1">
+                <a:lumMod val="50000"/>
+              </a:schemeClr>
+            </a:solidFill>
+          </a:ln>
+        </p:spPr>
+        <p:style>
+          <a:lnRef idx="1">
+            <a:schemeClr val="accent1"/>
+          </a:lnRef>
+          <a:fillRef idx="0">
+            <a:schemeClr val="accent1"/>
+          </a:fillRef>
+          <a:effectRef idx="0">
+            <a:schemeClr val="accent1"/>
+          </a:effectRef>
+          <a:fontRef idx="minor">
+            <a:schemeClr val="tx1"/>
+          </a:fontRef>
+        </p:style>
+      </p:cxnSp>
+      <p:sp>
+        <p:nvSpPr>
+          <p:cNvPr id="5" name="TextBox 4"/>
+          <p:cNvSpPr txBox="1"/>
+          <p:nvPr/>
+        </p:nvSpPr>
+        <p:spPr>
+          <a:xfrm>
+            <a:off x="1088238" y="437393"/>
+            <a:ext cx="4595231" cy="584775"/>
+          </a:xfrm>
+          <a:prstGeom prst="rect">
+            <a:avLst/>
+          </a:prstGeom>
+          <a:noFill/>
+        </p:spPr>
+        <p:txBody>
+          <a:bodyPr wrap="square" rtlCol="0">
+            <a:spAutoFit/>
+          </a:bodyPr>
+          <a:lstStyle/>
+          <a:p>
+            <a:r>
+              <a:rPr lang="en-US" altLang="ko-KR" sz="3200" spc="-150">
+                <a:solidFill>
+                  <a:srgbClr val="00002F"/>
+                </a:solidFill>
+                <a:latin typeface="나눔스퀘어 ExtraBold" panose="020B0600000101010101" pitchFamily="50" charset="-127"/>
+                <a:ea typeface="나눔스퀘어 ExtraBold" panose="020B0600000101010101" pitchFamily="50" charset="-127"/>
+              </a:rPr>
+              <a:t>Exercise</a:t>
+            </a:r>
+            <a:endParaRPr lang="ko-KR" altLang="en-US" sz="3200" spc="-150" dirty="0">
+              <a:solidFill>
+                <a:srgbClr val="00002F"/>
+              </a:solidFill>
+              <a:latin typeface="나눔스퀘어 ExtraBold" panose="020B0600000101010101" pitchFamily="50" charset="-127"/>
+              <a:ea typeface="나눔스퀘어 ExtraBold" panose="020B0600000101010101" pitchFamily="50" charset="-127"/>
+            </a:endParaRPr>
+          </a:p>
+        </p:txBody>
+      </p:sp>
+      <p:sp>
+        <p:nvSpPr>
+          <p:cNvPr id="12" name="TextBox 11"/>
+          <p:cNvSpPr txBox="1"/>
+          <p:nvPr/>
+        </p:nvSpPr>
+        <p:spPr>
+          <a:xfrm>
+            <a:off x="455532" y="498947"/>
+            <a:ext cx="614271" cy="461665"/>
+          </a:xfrm>
+          <a:prstGeom prst="rect">
+            <a:avLst/>
+          </a:prstGeom>
+          <a:noFill/>
+        </p:spPr>
+        <p:txBody>
+          <a:bodyPr wrap="none" rtlCol="0">
+            <a:spAutoFit/>
+          </a:bodyPr>
+          <a:lstStyle/>
+          <a:p>
+            <a:pPr algn="ctr"/>
+            <a:r>
+              <a:rPr lang="en-US" altLang="ko-KR" sz="2400" spc="-150">
+                <a:solidFill>
+                  <a:srgbClr val="00002F"/>
+                </a:solidFill>
+                <a:latin typeface="나눔스퀘어 ExtraBold" panose="020B0600000101010101" pitchFamily="50" charset="-127"/>
+                <a:ea typeface="나눔스퀘어 ExtraBold" panose="020B0600000101010101" pitchFamily="50" charset="-127"/>
+              </a:rPr>
+              <a:t>04.</a:t>
+            </a:r>
+            <a:endParaRPr lang="ko-KR" altLang="en-US" sz="2400" spc="-150" dirty="0">
+              <a:solidFill>
+                <a:srgbClr val="00002F"/>
+              </a:solidFill>
+              <a:latin typeface="나눔스퀘어 ExtraBold" panose="020B0600000101010101" pitchFamily="50" charset="-127"/>
+              <a:ea typeface="나눔스퀘어 ExtraBold" panose="020B0600000101010101" pitchFamily="50" charset="-127"/>
+            </a:endParaRPr>
+          </a:p>
+        </p:txBody>
+      </p:sp>
+      <p:sp>
+        <p:nvSpPr>
+          <p:cNvPr id="11" name="TextBox 10">
+            <a:extLst>
+              <a:ext uri="{FF2B5EF4-FFF2-40B4-BE49-F238E27FC236}">
+                <a16:creationId xmlns:a16="http://schemas.microsoft.com/office/drawing/2014/main" id="{2B395301-37C5-4E49-8CBB-7A77E2A5F0AF}"/>
+              </a:ext>
+            </a:extLst>
+          </p:cNvPr>
+          <p:cNvSpPr txBox="1"/>
+          <p:nvPr/>
+        </p:nvSpPr>
+        <p:spPr>
+          <a:xfrm>
+            <a:off x="1069802" y="1006929"/>
+            <a:ext cx="7908152" cy="369332"/>
+          </a:xfrm>
+          <a:prstGeom prst="rect">
+            <a:avLst/>
+          </a:prstGeom>
+          <a:noFill/>
+        </p:spPr>
+        <p:txBody>
+          <a:bodyPr wrap="square" rtlCol="0">
+            <a:spAutoFit/>
+          </a:bodyPr>
+          <a:lstStyle/>
+          <a:p>
+            <a:r>
+              <a:rPr lang="en-US" altLang="ko-KR" spc="-150">
+                <a:solidFill>
+                  <a:srgbClr val="00002F"/>
+                </a:solidFill>
+                <a:latin typeface="나눔스퀘어 ExtraBold" panose="020B0600000101010101" pitchFamily="50" charset="-127"/>
+                <a:ea typeface="나눔스퀘어 ExtraBold" panose="020B0600000101010101" pitchFamily="50" charset="-127"/>
+              </a:rPr>
               <a:t>Quora  Insurance Detection</a:t>
             </a:r>
           </a:p>
@@ -9256,7 +9726,7 @@
 </p:sld>
 </file>
 
-<file path=ppt/slides/slide24.xml><?xml version="1.0" encoding="utf-8"?>
+<file path=ppt/slides/slide25.xml><?xml version="1.0" encoding="utf-8"?>
 <p:sld xmlns:a="http://schemas.openxmlformats.org/drawingml/2006/main" xmlns:r="http://schemas.openxmlformats.org/officeDocument/2006/relationships" xmlns:p="http://schemas.openxmlformats.org/presentationml/2006/main">
   <p:cSld>
     <p:spTree>

--- a/chapter5/Deep Learning 5강(CNN).pptx
+++ b/chapter5/Deep Learning 5강(CNN).pptx
@@ -5,7 +5,7 @@
     <p:sldMasterId id="2147483656" r:id="rId1"/>
   </p:sldMasterIdLst>
   <p:notesMasterIdLst>
-    <p:notesMasterId r:id="rId27"/>
+    <p:notesMasterId r:id="rId28"/>
   </p:notesMasterIdLst>
   <p:sldIdLst>
     <p:sldId id="257" r:id="rId2"/>
@@ -32,27 +32,28 @@
     <p:sldId id="267" r:id="rId23"/>
     <p:sldId id="349" r:id="rId24"/>
     <p:sldId id="334" r:id="rId25"/>
-    <p:sldId id="269" r:id="rId26"/>
+    <p:sldId id="350" r:id="rId26"/>
+    <p:sldId id="269" r:id="rId27"/>
   </p:sldIdLst>
   <p:sldSz cx="12192000" cy="6858000"/>
   <p:notesSz cx="6858000" cy="9144000"/>
   <p:embeddedFontLst>
     <p:embeddedFont>
       <p:font typeface="나눔스퀘어 Bold" panose="020B0600000101010101" pitchFamily="50" charset="-127"/>
-      <p:bold r:id="rId28"/>
+      <p:bold r:id="rId29"/>
     </p:embeddedFont>
     <p:embeddedFont>
       <p:font typeface="나눔스퀘어 ExtraBold" panose="020B0600000101010101" pitchFamily="50" charset="-127"/>
-      <p:bold r:id="rId29"/>
+      <p:bold r:id="rId30"/>
     </p:embeddedFont>
     <p:embeddedFont>
       <p:font typeface="맑은 고딕" panose="020B0503020000020004" pitchFamily="50" charset="-127"/>
-      <p:regular r:id="rId30"/>
-      <p:bold r:id="rId31"/>
+      <p:regular r:id="rId31"/>
+      <p:bold r:id="rId32"/>
     </p:embeddedFont>
     <p:embeddedFont>
       <p:font typeface="한컴 윤고딕 250" panose="02020603020101020101" pitchFamily="18" charset="-127"/>
-      <p:regular r:id="rId32"/>
+      <p:regular r:id="rId33"/>
     </p:embeddedFont>
   </p:embeddedFontLst>
   <p:defaultTextStyle>
@@ -240,7 +241,7 @@
           <a:p>
             <a:fld id="{17FB36FB-C10C-479A-9DFD-15DEB134881C}" type="datetimeFigureOut">
               <a:rPr lang="ko-KR" altLang="en-US" smtClean="0"/>
-              <a:t>2019-09-15</a:t>
+              <a:t>2019-09-16</a:t>
             </a:fld>
             <a:endParaRPr lang="ko-KR" altLang="en-US"/>
           </a:p>
@@ -9727,6 +9728,559 @@
 </file>
 
 <file path=ppt/slides/slide25.xml><?xml version="1.0" encoding="utf-8"?>
+<p:sld xmlns:a="http://schemas.openxmlformats.org/drawingml/2006/main" xmlns:r="http://schemas.openxmlformats.org/officeDocument/2006/relationships" xmlns:p="http://schemas.openxmlformats.org/presentationml/2006/main">
+  <p:cSld>
+    <p:spTree>
+      <p:nvGrpSpPr>
+        <p:cNvPr id="1" name=""/>
+        <p:cNvGrpSpPr/>
+        <p:nvPr/>
+      </p:nvGrpSpPr>
+      <p:grpSpPr>
+        <a:xfrm>
+          <a:off x="0" y="0"/>
+          <a:ext cx="0" cy="0"/>
+          <a:chOff x="0" y="0"/>
+          <a:chExt cx="0" cy="0"/>
+        </a:xfrm>
+      </p:grpSpPr>
+      <p:cxnSp>
+        <p:nvCxnSpPr>
+          <p:cNvPr id="4" name="직선 연결선 3"/>
+          <p:cNvCxnSpPr>
+            <a:cxnSpLocks/>
+          </p:cNvCxnSpPr>
+          <p:nvPr/>
+        </p:nvCxnSpPr>
+        <p:spPr>
+          <a:xfrm>
+            <a:off x="1026522" y="989148"/>
+            <a:ext cx="4002678" cy="0"/>
+          </a:xfrm>
+          <a:prstGeom prst="line">
+            <a:avLst/>
+          </a:prstGeom>
+          <a:ln>
+            <a:solidFill>
+              <a:schemeClr val="bg1">
+                <a:lumMod val="50000"/>
+              </a:schemeClr>
+            </a:solidFill>
+          </a:ln>
+        </p:spPr>
+        <p:style>
+          <a:lnRef idx="1">
+            <a:schemeClr val="accent1"/>
+          </a:lnRef>
+          <a:fillRef idx="0">
+            <a:schemeClr val="accent1"/>
+          </a:fillRef>
+          <a:effectRef idx="0">
+            <a:schemeClr val="accent1"/>
+          </a:effectRef>
+          <a:fontRef idx="minor">
+            <a:schemeClr val="tx1"/>
+          </a:fontRef>
+        </p:style>
+      </p:cxnSp>
+      <p:sp>
+        <p:nvSpPr>
+          <p:cNvPr id="5" name="TextBox 4"/>
+          <p:cNvSpPr txBox="1"/>
+          <p:nvPr/>
+        </p:nvSpPr>
+        <p:spPr>
+          <a:xfrm>
+            <a:off x="1088238" y="437393"/>
+            <a:ext cx="4595231" cy="584775"/>
+          </a:xfrm>
+          <a:prstGeom prst="rect">
+            <a:avLst/>
+          </a:prstGeom>
+          <a:noFill/>
+        </p:spPr>
+        <p:txBody>
+          <a:bodyPr wrap="square" rtlCol="0">
+            <a:spAutoFit/>
+          </a:bodyPr>
+          <a:lstStyle/>
+          <a:p>
+            <a:r>
+              <a:rPr lang="en-US" altLang="ko-KR" sz="3200" spc="-150">
+                <a:solidFill>
+                  <a:srgbClr val="00002F"/>
+                </a:solidFill>
+                <a:latin typeface="나눔스퀘어 ExtraBold" panose="020B0600000101010101" pitchFamily="50" charset="-127"/>
+                <a:ea typeface="나눔스퀘어 ExtraBold" panose="020B0600000101010101" pitchFamily="50" charset="-127"/>
+              </a:rPr>
+              <a:t>Exercise</a:t>
+            </a:r>
+            <a:endParaRPr lang="ko-KR" altLang="en-US" sz="3200" spc="-150" dirty="0">
+              <a:solidFill>
+                <a:srgbClr val="00002F"/>
+              </a:solidFill>
+              <a:latin typeface="나눔스퀘어 ExtraBold" panose="020B0600000101010101" pitchFamily="50" charset="-127"/>
+              <a:ea typeface="나눔스퀘어 ExtraBold" panose="020B0600000101010101" pitchFamily="50" charset="-127"/>
+            </a:endParaRPr>
+          </a:p>
+        </p:txBody>
+      </p:sp>
+      <p:sp>
+        <p:nvSpPr>
+          <p:cNvPr id="12" name="TextBox 11"/>
+          <p:cNvSpPr txBox="1"/>
+          <p:nvPr/>
+        </p:nvSpPr>
+        <p:spPr>
+          <a:xfrm>
+            <a:off x="455532" y="498947"/>
+            <a:ext cx="614271" cy="461665"/>
+          </a:xfrm>
+          <a:prstGeom prst="rect">
+            <a:avLst/>
+          </a:prstGeom>
+          <a:noFill/>
+        </p:spPr>
+        <p:txBody>
+          <a:bodyPr wrap="none" rtlCol="0">
+            <a:spAutoFit/>
+          </a:bodyPr>
+          <a:lstStyle/>
+          <a:p>
+            <a:pPr algn="ctr"/>
+            <a:r>
+              <a:rPr lang="en-US" altLang="ko-KR" sz="2400" spc="-150">
+                <a:solidFill>
+                  <a:srgbClr val="00002F"/>
+                </a:solidFill>
+                <a:latin typeface="나눔스퀘어 ExtraBold" panose="020B0600000101010101" pitchFamily="50" charset="-127"/>
+                <a:ea typeface="나눔스퀘어 ExtraBold" panose="020B0600000101010101" pitchFamily="50" charset="-127"/>
+              </a:rPr>
+              <a:t>04.</a:t>
+            </a:r>
+            <a:endParaRPr lang="ko-KR" altLang="en-US" sz="2400" spc="-150" dirty="0">
+              <a:solidFill>
+                <a:srgbClr val="00002F"/>
+              </a:solidFill>
+              <a:latin typeface="나눔스퀘어 ExtraBold" panose="020B0600000101010101" pitchFamily="50" charset="-127"/>
+              <a:ea typeface="나눔스퀘어 ExtraBold" panose="020B0600000101010101" pitchFamily="50" charset="-127"/>
+            </a:endParaRPr>
+          </a:p>
+        </p:txBody>
+      </p:sp>
+      <p:sp>
+        <p:nvSpPr>
+          <p:cNvPr id="11" name="TextBox 10">
+            <a:extLst>
+              <a:ext uri="{FF2B5EF4-FFF2-40B4-BE49-F238E27FC236}">
+                <a16:creationId xmlns:a16="http://schemas.microsoft.com/office/drawing/2014/main" id="{2B395301-37C5-4E49-8CBB-7A77E2A5F0AF}"/>
+              </a:ext>
+            </a:extLst>
+          </p:cNvPr>
+          <p:cNvSpPr txBox="1"/>
+          <p:nvPr/>
+        </p:nvSpPr>
+        <p:spPr>
+          <a:xfrm>
+            <a:off x="1069802" y="1006929"/>
+            <a:ext cx="7908152" cy="369332"/>
+          </a:xfrm>
+          <a:prstGeom prst="rect">
+            <a:avLst/>
+          </a:prstGeom>
+          <a:noFill/>
+        </p:spPr>
+        <p:txBody>
+          <a:bodyPr wrap="square" rtlCol="0">
+            <a:spAutoFit/>
+          </a:bodyPr>
+          <a:lstStyle/>
+          <a:p>
+            <a:r>
+              <a:rPr lang="en-US" altLang="ko-KR" spc="-150">
+                <a:solidFill>
+                  <a:srgbClr val="00002F"/>
+                </a:solidFill>
+                <a:latin typeface="나눔스퀘어 ExtraBold" panose="020B0600000101010101" pitchFamily="50" charset="-127"/>
+                <a:ea typeface="나눔스퀘어 ExtraBold" panose="020B0600000101010101" pitchFamily="50" charset="-127"/>
+              </a:rPr>
+              <a:t>Quora  Insurance Detection</a:t>
+            </a:r>
+          </a:p>
+        </p:txBody>
+      </p:sp>
+      <p:cxnSp>
+        <p:nvCxnSpPr>
+          <p:cNvPr id="16" name="직선 연결선 15">
+            <a:extLst>
+              <a:ext uri="{FF2B5EF4-FFF2-40B4-BE49-F238E27FC236}">
+                <a16:creationId xmlns:a16="http://schemas.microsoft.com/office/drawing/2014/main" id="{C748FEAA-2F61-4476-BC12-D714309AEEE4}"/>
+              </a:ext>
+            </a:extLst>
+          </p:cNvPr>
+          <p:cNvCxnSpPr/>
+          <p:nvPr/>
+        </p:nvCxnSpPr>
+        <p:spPr>
+          <a:xfrm>
+            <a:off x="10430892" y="144941"/>
+            <a:ext cx="360000" cy="0"/>
+          </a:xfrm>
+          <a:prstGeom prst="line">
+            <a:avLst/>
+          </a:prstGeom>
+          <a:ln w="44450" cap="rnd">
+            <a:solidFill>
+              <a:srgbClr val="D0CECE"/>
+            </a:solidFill>
+          </a:ln>
+          <a:effectLst>
+            <a:outerShdw blurRad="50800" dist="38100" dir="5400000" algn="t" rotWithShape="0">
+              <a:prstClr val="black">
+                <a:alpha val="40000"/>
+              </a:prstClr>
+            </a:outerShdw>
+          </a:effectLst>
+        </p:spPr>
+        <p:style>
+          <a:lnRef idx="1">
+            <a:schemeClr val="accent1"/>
+          </a:lnRef>
+          <a:fillRef idx="0">
+            <a:schemeClr val="accent1"/>
+          </a:fillRef>
+          <a:effectRef idx="0">
+            <a:schemeClr val="accent1"/>
+          </a:effectRef>
+          <a:fontRef idx="minor">
+            <a:schemeClr val="tx1"/>
+          </a:fontRef>
+        </p:style>
+      </p:cxnSp>
+      <p:cxnSp>
+        <p:nvCxnSpPr>
+          <p:cNvPr id="17" name="직선 연결선 16">
+            <a:extLst>
+              <a:ext uri="{FF2B5EF4-FFF2-40B4-BE49-F238E27FC236}">
+                <a16:creationId xmlns:a16="http://schemas.microsoft.com/office/drawing/2014/main" id="{382B42FE-3DA7-4C75-9BF8-A89C2DB8E2E4}"/>
+              </a:ext>
+            </a:extLst>
+          </p:cNvPr>
+          <p:cNvCxnSpPr/>
+          <p:nvPr/>
+        </p:nvCxnSpPr>
+        <p:spPr>
+          <a:xfrm>
+            <a:off x="10858459" y="144941"/>
+            <a:ext cx="360000" cy="0"/>
+          </a:xfrm>
+          <a:prstGeom prst="line">
+            <a:avLst/>
+          </a:prstGeom>
+          <a:ln w="44450" cap="rnd">
+            <a:solidFill>
+              <a:schemeClr val="bg2">
+                <a:lumMod val="90000"/>
+              </a:schemeClr>
+            </a:solidFill>
+          </a:ln>
+          <a:effectLst>
+            <a:outerShdw blurRad="50800" dist="38100" dir="5400000" algn="t" rotWithShape="0">
+              <a:prstClr val="black">
+                <a:alpha val="40000"/>
+              </a:prstClr>
+            </a:outerShdw>
+          </a:effectLst>
+        </p:spPr>
+        <p:style>
+          <a:lnRef idx="1">
+            <a:schemeClr val="accent1"/>
+          </a:lnRef>
+          <a:fillRef idx="0">
+            <a:schemeClr val="accent1"/>
+          </a:fillRef>
+          <a:effectRef idx="0">
+            <a:schemeClr val="accent1"/>
+          </a:effectRef>
+          <a:fontRef idx="minor">
+            <a:schemeClr val="tx1"/>
+          </a:fontRef>
+        </p:style>
+      </p:cxnSp>
+      <p:cxnSp>
+        <p:nvCxnSpPr>
+          <p:cNvPr id="18" name="직선 연결선 17">
+            <a:extLst>
+              <a:ext uri="{FF2B5EF4-FFF2-40B4-BE49-F238E27FC236}">
+                <a16:creationId xmlns:a16="http://schemas.microsoft.com/office/drawing/2014/main" id="{A5EBB07B-7E65-43F9-8D1A-5F7A345B63EB}"/>
+              </a:ext>
+            </a:extLst>
+          </p:cNvPr>
+          <p:cNvCxnSpPr/>
+          <p:nvPr/>
+        </p:nvCxnSpPr>
+        <p:spPr>
+          <a:xfrm>
+            <a:off x="11286026" y="144941"/>
+            <a:ext cx="360000" cy="0"/>
+          </a:xfrm>
+          <a:prstGeom prst="line">
+            <a:avLst/>
+          </a:prstGeom>
+          <a:ln w="44450" cap="rnd">
+            <a:solidFill>
+              <a:schemeClr val="bg2">
+                <a:lumMod val="90000"/>
+              </a:schemeClr>
+            </a:solidFill>
+          </a:ln>
+          <a:effectLst>
+            <a:outerShdw blurRad="50800" dist="38100" dir="5400000" algn="t" rotWithShape="0">
+              <a:prstClr val="black">
+                <a:alpha val="40000"/>
+              </a:prstClr>
+            </a:outerShdw>
+          </a:effectLst>
+        </p:spPr>
+        <p:style>
+          <a:lnRef idx="1">
+            <a:schemeClr val="accent1"/>
+          </a:lnRef>
+          <a:fillRef idx="0">
+            <a:schemeClr val="accent1"/>
+          </a:fillRef>
+          <a:effectRef idx="0">
+            <a:schemeClr val="accent1"/>
+          </a:effectRef>
+          <a:fontRef idx="minor">
+            <a:schemeClr val="tx1"/>
+          </a:fontRef>
+        </p:style>
+      </p:cxnSp>
+      <p:cxnSp>
+        <p:nvCxnSpPr>
+          <p:cNvPr id="19" name="직선 연결선 18">
+            <a:extLst>
+              <a:ext uri="{FF2B5EF4-FFF2-40B4-BE49-F238E27FC236}">
+                <a16:creationId xmlns:a16="http://schemas.microsoft.com/office/drawing/2014/main" id="{3337B726-A515-4F67-90E6-D9501BDE392B}"/>
+              </a:ext>
+            </a:extLst>
+          </p:cNvPr>
+          <p:cNvCxnSpPr/>
+          <p:nvPr/>
+        </p:nvCxnSpPr>
+        <p:spPr>
+          <a:xfrm>
+            <a:off x="11713592" y="144941"/>
+            <a:ext cx="360000" cy="0"/>
+          </a:xfrm>
+          <a:prstGeom prst="line">
+            <a:avLst/>
+          </a:prstGeom>
+          <a:ln w="44450" cap="rnd">
+            <a:solidFill>
+              <a:srgbClr val="8DBABD"/>
+            </a:solidFill>
+          </a:ln>
+          <a:effectLst>
+            <a:outerShdw blurRad="50800" dist="38100" dir="5400000" algn="t" rotWithShape="0">
+              <a:prstClr val="black">
+                <a:alpha val="40000"/>
+              </a:prstClr>
+            </a:outerShdw>
+          </a:effectLst>
+        </p:spPr>
+        <p:style>
+          <a:lnRef idx="1">
+            <a:schemeClr val="accent1"/>
+          </a:lnRef>
+          <a:fillRef idx="0">
+            <a:schemeClr val="accent1"/>
+          </a:fillRef>
+          <a:effectRef idx="0">
+            <a:schemeClr val="accent1"/>
+          </a:effectRef>
+          <a:fontRef idx="minor">
+            <a:schemeClr val="tx1"/>
+          </a:fontRef>
+        </p:style>
+      </p:cxnSp>
+      <p:sp>
+        <p:nvSpPr>
+          <p:cNvPr id="121" name="TextBox 120">
+            <a:extLst>
+              <a:ext uri="{FF2B5EF4-FFF2-40B4-BE49-F238E27FC236}">
+                <a16:creationId xmlns:a16="http://schemas.microsoft.com/office/drawing/2014/main" id="{6331798B-A31D-448F-94EA-AE22677BB6E4}"/>
+              </a:ext>
+            </a:extLst>
+          </p:cNvPr>
+          <p:cNvSpPr txBox="1"/>
+          <p:nvPr/>
+        </p:nvSpPr>
+        <p:spPr>
+          <a:xfrm>
+            <a:off x="4345026" y="3494961"/>
+            <a:ext cx="3501949" cy="781304"/>
+          </a:xfrm>
+          <a:prstGeom prst="rect">
+            <a:avLst/>
+          </a:prstGeom>
+          <a:noFill/>
+        </p:spPr>
+        <p:txBody>
+          <a:bodyPr wrap="square" rtlCol="0">
+            <a:spAutoFit/>
+          </a:bodyPr>
+          <a:lstStyle/>
+          <a:p>
+            <a:pPr marL="171450" indent="-171450">
+              <a:lnSpc>
+                <a:spcPct val="200000"/>
+              </a:lnSpc>
+              <a:buFont typeface="Arial" panose="020B0604020202020204" pitchFamily="34" charset="0"/>
+              <a:buChar char="•"/>
+            </a:pPr>
+            <a:r>
+              <a:rPr lang="en-US" altLang="ko-KR" sz="1200" spc="-100">
+                <a:ln>
+                  <a:solidFill>
+                    <a:schemeClr val="bg1">
+                      <a:lumMod val="65000"/>
+                      <a:alpha val="0"/>
+                    </a:schemeClr>
+                  </a:solidFill>
+                </a:ln>
+                <a:latin typeface="나눔스퀘어 Bold" panose="020B0600000101010101" pitchFamily="50" charset="-127"/>
+                <a:ea typeface="나눔스퀘어 Bold" panose="020B0600000101010101" pitchFamily="50" charset="-127"/>
+                <a:hlinkClick r:id="rId2"/>
+              </a:rPr>
+              <a:t>https://www.kaggle.com/takuok/glove840b300dtxt</a:t>
+            </a:r>
+            <a:endParaRPr lang="en-US" altLang="ko-KR" sz="1200" spc="-100">
+              <a:ln>
+                <a:solidFill>
+                  <a:schemeClr val="bg1">
+                    <a:lumMod val="65000"/>
+                    <a:alpha val="0"/>
+                  </a:schemeClr>
+                </a:solidFill>
+              </a:ln>
+              <a:latin typeface="나눔스퀘어 Bold" panose="020B0600000101010101" pitchFamily="50" charset="-127"/>
+              <a:ea typeface="나눔스퀘어 Bold" panose="020B0600000101010101" pitchFamily="50" charset="-127"/>
+            </a:endParaRPr>
+          </a:p>
+          <a:p>
+            <a:pPr marL="171450" indent="-171450">
+              <a:lnSpc>
+                <a:spcPct val="200000"/>
+              </a:lnSpc>
+              <a:buFont typeface="Arial" panose="020B0604020202020204" pitchFamily="34" charset="0"/>
+              <a:buChar char="•"/>
+            </a:pPr>
+            <a:r>
+              <a:rPr lang="ko-KR" altLang="en-US" sz="1200" spc="-100">
+                <a:ln>
+                  <a:solidFill>
+                    <a:schemeClr val="bg1">
+                      <a:lumMod val="65000"/>
+                      <a:alpha val="0"/>
+                    </a:schemeClr>
+                  </a:solidFill>
+                </a:ln>
+                <a:latin typeface="나눔스퀘어 Bold" panose="020B0600000101010101" pitchFamily="50" charset="-127"/>
+                <a:ea typeface="나눔스퀘어 Bold" panose="020B0600000101010101" pitchFamily="50" charset="-127"/>
+              </a:rPr>
+              <a:t>위의 </a:t>
+            </a:r>
+            <a:r>
+              <a:rPr lang="en-US" altLang="ko-KR" sz="1200" spc="-100">
+                <a:ln>
+                  <a:solidFill>
+                    <a:schemeClr val="bg1">
+                      <a:lumMod val="65000"/>
+                      <a:alpha val="0"/>
+                    </a:schemeClr>
+                  </a:solidFill>
+                </a:ln>
+                <a:latin typeface="나눔스퀘어 Bold" panose="020B0600000101010101" pitchFamily="50" charset="-127"/>
+                <a:ea typeface="나눔스퀘어 Bold" panose="020B0600000101010101" pitchFamily="50" charset="-127"/>
+              </a:rPr>
+              <a:t>URL</a:t>
+            </a:r>
+            <a:r>
+              <a:rPr lang="ko-KR" altLang="en-US" sz="1200" spc="-100">
+                <a:ln>
+                  <a:solidFill>
+                    <a:schemeClr val="bg1">
+                      <a:lumMod val="65000"/>
+                      <a:alpha val="0"/>
+                    </a:schemeClr>
+                  </a:solidFill>
+                </a:ln>
+                <a:latin typeface="나눔스퀘어 Bold" panose="020B0600000101010101" pitchFamily="50" charset="-127"/>
+                <a:ea typeface="나눔스퀘어 Bold" panose="020B0600000101010101" pitchFamily="50" charset="-127"/>
+              </a:rPr>
+              <a:t>에서 </a:t>
+            </a:r>
+            <a:r>
+              <a:rPr lang="en-US" altLang="ko-KR" sz="1200" spc="-100">
+                <a:ln>
+                  <a:solidFill>
+                    <a:schemeClr val="bg1">
+                      <a:lumMod val="65000"/>
+                      <a:alpha val="0"/>
+                    </a:schemeClr>
+                  </a:solidFill>
+                </a:ln>
+                <a:latin typeface="나눔스퀘어 Bold" panose="020B0600000101010101" pitchFamily="50" charset="-127"/>
+                <a:ea typeface="나눔스퀘어 Bold" panose="020B0600000101010101" pitchFamily="50" charset="-127"/>
+              </a:rPr>
+              <a:t>glove vector</a:t>
+            </a:r>
+            <a:r>
+              <a:rPr lang="ko-KR" altLang="en-US" sz="1200" spc="-100">
+                <a:ln>
+                  <a:solidFill>
+                    <a:schemeClr val="bg1">
+                      <a:lumMod val="65000"/>
+                      <a:alpha val="0"/>
+                    </a:schemeClr>
+                  </a:solidFill>
+                </a:ln>
+                <a:latin typeface="나눔스퀘어 Bold" panose="020B0600000101010101" pitchFamily="50" charset="-127"/>
+                <a:ea typeface="나눔스퀘어 Bold" panose="020B0600000101010101" pitchFamily="50" charset="-127"/>
+              </a:rPr>
+              <a:t>를 다운받기</a:t>
+            </a:r>
+            <a:endParaRPr lang="en-US" altLang="ko-KR" sz="1200" spc="-100">
+              <a:ln>
+                <a:solidFill>
+                  <a:schemeClr val="bg1">
+                    <a:lumMod val="65000"/>
+                    <a:alpha val="0"/>
+                  </a:schemeClr>
+                </a:solidFill>
+              </a:ln>
+              <a:latin typeface="나눔스퀘어 Bold" panose="020B0600000101010101" pitchFamily="50" charset="-127"/>
+              <a:ea typeface="나눔스퀘어 Bold" panose="020B0600000101010101" pitchFamily="50" charset="-127"/>
+            </a:endParaRPr>
+          </a:p>
+        </p:txBody>
+      </p:sp>
+    </p:spTree>
+    <p:extLst>
+      <p:ext uri="{BB962C8B-B14F-4D97-AF65-F5344CB8AC3E}">
+        <p14:creationId xmlns:p14="http://schemas.microsoft.com/office/powerpoint/2010/main" val="3414377179"/>
+      </p:ext>
+    </p:extLst>
+  </p:cSld>
+  <p:clrMapOvr>
+    <a:masterClrMapping/>
+  </p:clrMapOvr>
+</p:sld>
+</file>
+
+<file path=ppt/slides/slide26.xml><?xml version="1.0" encoding="utf-8"?>
 <p:sld xmlns:a="http://schemas.openxmlformats.org/drawingml/2006/main" xmlns:r="http://schemas.openxmlformats.org/officeDocument/2006/relationships" xmlns:p="http://schemas.openxmlformats.org/presentationml/2006/main">
   <p:cSld>
     <p:spTree>
